--- a/kickOff_presentationFile.pptx
+++ b/kickOff_presentationFile.pptx
@@ -120,6 +120,11 @@
       </a:defRPr>
     </a:lvl9pPr>
   </p:defaultTextStyle>
+  <p:extLst>
+    <p:ext uri="{EFAFB233-063F-42B5-8137-9DF3F51BA10A}">
+      <p15:sldGuideLst xmlns:p15="http://schemas.microsoft.com/office/powerpoint/2012/main"/>
+    </p:ext>
+  </p:extLst>
 </p:presentation>
 </file>
 
@@ -3259,7 +3264,7 @@
               <a:rPr lang="en-US" sz="1400" b="0" strike="noStrike" spc="-1">
                 <a:latin typeface="Times New Roman"/>
               </a:rPr>
-              <a:t>‹Nr.›</a:t>
+              <a:t>‹#›</a:t>
             </a:fld>
             <a:endParaRPr lang="en-US" sz="1400" b="0" strike="noStrike" spc="-1">
               <a:latin typeface="Times New Roman"/>
@@ -3630,8 +3635,8 @@
         </p:nvSpPr>
         <p:spPr>
           <a:xfrm>
-            <a:off x="380880" y="685800"/>
-            <a:ext cx="6095520" cy="3428640"/>
+            <a:off x="381000" y="685800"/>
+            <a:ext cx="6096000" cy="3429000"/>
           </a:xfrm>
           <a:prstGeom prst="rect">
             <a:avLst/>
@@ -3748,8 +3753,8 @@
         </p:nvSpPr>
         <p:spPr>
           <a:xfrm>
-            <a:off x="380880" y="685800"/>
-            <a:ext cx="6095520" cy="3428640"/>
+            <a:off x="381000" y="685800"/>
+            <a:ext cx="6096000" cy="3429000"/>
           </a:xfrm>
           <a:prstGeom prst="rect">
             <a:avLst/>
@@ -16937,7 +16942,7 @@
                 </a:solidFill>
                 <a:latin typeface="Arial"/>
               </a:rPr>
-              <a:t>‹Nr.›</a:t>
+              <a:t>‹#›</a:t>
             </a:fld>
             <a:endParaRPr lang="en-US" sz="1400" b="0" strike="noStrike" spc="-1">
               <a:latin typeface="Times New Roman"/>
@@ -22022,7 +22027,7 @@
               </a:tabLst>
             </a:pPr>
             <a:r>
-              <a:rPr lang="en-GB" sz="2800" b="0" strike="noStrike" spc="-1">
+              <a:rPr lang="en-GB" sz="2800" b="0" strike="noStrike" spc="-1" dirty="0">
                 <a:solidFill>
                   <a:srgbClr val="000000"/>
                 </a:solidFill>
@@ -22030,7 +22035,7 @@
               </a:rPr>
               <a:t>Android Studio</a:t>
             </a:r>
-            <a:endParaRPr lang="en-US" sz="2800" b="0" strike="noStrike" spc="-1">
+            <a:endParaRPr lang="en-US" sz="2800" b="0" strike="noStrike" spc="-1" dirty="0">
               <a:solidFill>
                 <a:srgbClr val="000000"/>
               </a:solidFill>
@@ -22049,7 +22054,7 @@
                 <a:tab pos="0" algn="l"/>
               </a:tabLst>
             </a:pPr>
-            <a:endParaRPr lang="en-US" sz="2800" b="0" strike="noStrike" spc="-1">
+            <a:endParaRPr lang="en-US" sz="2800" b="0" strike="noStrike" spc="-1" dirty="0">
               <a:solidFill>
                 <a:srgbClr val="000000"/>
               </a:solidFill>
@@ -22069,7 +22074,7 @@
               </a:tabLst>
             </a:pPr>
             <a:r>
-              <a:rPr lang="de-DE" sz="2000" b="0" strike="noStrike" spc="-1">
+              <a:rPr lang="de-DE" sz="2000" b="0" strike="noStrike" spc="-1" dirty="0">
                 <a:solidFill>
                   <a:srgbClr val="202124"/>
                 </a:solidFill>
@@ -22078,43 +22083,15 @@
               <a:t>2. </a:t>
             </a:r>
             <a:r>
-              <a:rPr lang="de-DE" sz="2000" b="0" strike="noStrike" spc="-1">
-                <a:solidFill>
-                  <a:srgbClr val="202124"/>
-                </a:solidFill>
-                <a:latin typeface="Arial"/>
-              </a:rPr>
-              <a:t>APK Analyzer</a:t>
-            </a:r>
-            <a:endParaRPr lang="en-US" sz="2000" b="0" strike="noStrike" spc="-1">
-              <a:solidFill>
-                <a:srgbClr val="000000"/>
-              </a:solidFill>
-              <a:latin typeface="Arial"/>
-            </a:endParaRPr>
-          </a:p>
-          <a:p>
-            <a:pPr>
-              <a:lnSpc>
-                <a:spcPct val="100000"/>
-              </a:lnSpc>
-              <a:spcBef>
-                <a:spcPts val="400"/>
-              </a:spcBef>
-              <a:tabLst>
-                <a:tab pos="0" algn="l"/>
-              </a:tabLst>
-            </a:pPr>
-            <a:r>
-              <a:rPr lang="en-GB" sz="2000" b="0" strike="noStrike" spc="-1">
+              <a:rPr lang="en-GB" sz="2000" b="0" strike="noStrike" spc="-1" dirty="0">
                 <a:solidFill>
                   <a:srgbClr val="000000"/>
                 </a:solidFill>
                 <a:latin typeface="Arial"/>
               </a:rPr>
-              <a:t>3. Fast emulator</a:t>
+              <a:t> Fast emulator</a:t>
             </a:r>
-            <a:endParaRPr lang="en-US" sz="2000" b="0" strike="noStrike" spc="-1">
+            <a:endParaRPr lang="en-US" sz="2000" b="0" strike="noStrike" spc="-1" dirty="0">
               <a:solidFill>
                 <a:srgbClr val="000000"/>
               </a:solidFill>
@@ -22139,7 +22116,7 @@
               </a:tabLst>
             </a:pPr>
             <a:r>
-              <a:rPr lang="de-DE" sz="1800" b="0" strike="noStrike" spc="-1">
+              <a:rPr lang="de-DE" sz="1800" b="0" strike="noStrike" spc="-1" dirty="0">
                 <a:solidFill>
                   <a:srgbClr val="202124"/>
                 </a:solidFill>
@@ -22148,7 +22125,7 @@
               <a:t>r</a:t>
             </a:r>
             <a:r>
-              <a:rPr lang="en-US" sz="1800" b="0" strike="noStrike" spc="-1">
+              <a:rPr lang="en-US" sz="1800" b="0" strike="noStrike" spc="-1" dirty="0">
                 <a:solidFill>
                   <a:srgbClr val="202124"/>
                 </a:solidFill>
@@ -22156,7 +22133,7 @@
               </a:rPr>
               <a:t>un apps on the Android Emulator</a:t>
             </a:r>
-            <a:endParaRPr lang="en-US" sz="1800" b="0" strike="noStrike" spc="-1">
+            <a:endParaRPr lang="en-US" sz="1800" b="0" strike="noStrike" spc="-1" dirty="0">
               <a:solidFill>
                 <a:srgbClr val="000000"/>
               </a:solidFill>
@@ -22496,7 +22473,7 @@
               </a:tabLst>
             </a:pPr>
             <a:r>
-              <a:rPr lang="en-GB" sz="2800" b="0" strike="noStrike" spc="-1">
+              <a:rPr lang="en-GB" sz="2800" b="0" strike="noStrike" spc="-1" dirty="0">
                 <a:solidFill>
                   <a:srgbClr val="000000"/>
                 </a:solidFill>
@@ -22504,7 +22481,7 @@
               </a:rPr>
               <a:t>Android Studio</a:t>
             </a:r>
-            <a:endParaRPr lang="en-US" sz="2800" b="0" strike="noStrike" spc="-1">
+            <a:endParaRPr lang="en-US" sz="2800" b="0" strike="noStrike" spc="-1" dirty="0">
               <a:solidFill>
                 <a:srgbClr val="000000"/>
               </a:solidFill>
@@ -22523,7 +22500,7 @@
                 <a:tab pos="0" algn="l"/>
               </a:tabLst>
             </a:pPr>
-            <a:endParaRPr lang="en-US" sz="2800" b="0" strike="noStrike" spc="-1">
+            <a:endParaRPr lang="en-US" sz="2800" b="0" strike="noStrike" spc="-1" dirty="0">
               <a:solidFill>
                 <a:srgbClr val="000000"/>
               </a:solidFill>
@@ -22543,15 +22520,24 @@
               </a:tabLst>
             </a:pPr>
             <a:r>
-              <a:rPr lang="en-GB" sz="2000" b="0" strike="noStrike" spc="-1">
+              <a:rPr lang="en-GB" sz="2000" spc="-1" dirty="0">
                 <a:solidFill>
                   <a:srgbClr val="000000"/>
                 </a:solidFill>
                 <a:latin typeface="Arial"/>
               </a:rPr>
-              <a:t>4. Intelligent code editor</a:t>
+              <a:t>3</a:t>
             </a:r>
-            <a:endParaRPr lang="en-US" sz="2000" b="0" strike="noStrike" spc="-1">
+            <a:r>
+              <a:rPr lang="en-GB" sz="2000" b="0" strike="noStrike" spc="-1" dirty="0">
+                <a:solidFill>
+                  <a:srgbClr val="000000"/>
+                </a:solidFill>
+                <a:latin typeface="Arial"/>
+              </a:rPr>
+              <a:t>. Intelligent code editor</a:t>
+            </a:r>
+            <a:endParaRPr lang="en-US" sz="2000" b="0" strike="noStrike" spc="-1" dirty="0">
               <a:solidFill>
                 <a:srgbClr val="000000"/>
               </a:solidFill>
@@ -22576,7 +22562,7 @@
               </a:tabLst>
             </a:pPr>
             <a:r>
-              <a:rPr lang="en-GB" sz="1800" b="0" strike="noStrike" spc="-1">
+              <a:rPr lang="en-GB" sz="1800" b="0" strike="noStrike" spc="-1" dirty="0">
                 <a:solidFill>
                   <a:srgbClr val="000000"/>
                 </a:solidFill>
@@ -22584,63 +22570,41 @@
               </a:rPr>
               <a:t> based on IntelliJ IDEA</a:t>
             </a:r>
-            <a:endParaRPr lang="en-US" sz="1800" b="0" strike="noStrike" spc="-1">
-              <a:solidFill>
-                <a:srgbClr val="000000"/>
-              </a:solidFill>
-              <a:latin typeface="Arial"/>
-            </a:endParaRPr>
           </a:p>
           <a:p>
-            <a:pPr>
+            <a:pPr marL="360">
               <a:lnSpc>
                 <a:spcPct val="100000"/>
               </a:lnSpc>
               <a:spcBef>
-                <a:spcPts val="400"/>
+                <a:spcPts val="360"/>
               </a:spcBef>
+              <a:buClr>
+                <a:srgbClr val="003073"/>
+              </a:buClr>
               <a:tabLst>
                 <a:tab pos="0" algn="l"/>
               </a:tabLst>
             </a:pPr>
             <a:r>
-              <a:rPr lang="en-GB" sz="2000" b="0" strike="noStrike" spc="-1">
+              <a:rPr lang="en-GB" spc="-1" dirty="0">
                 <a:solidFill>
                   <a:srgbClr val="000000"/>
                 </a:solidFill>
                 <a:latin typeface="Arial"/>
               </a:rPr>
-              <a:t>5. Flexible build system</a:t>
+              <a:t>4</a:t>
             </a:r>
-            <a:endParaRPr lang="en-US" sz="2000" b="0" strike="noStrike" spc="-1">
-              <a:solidFill>
-                <a:srgbClr val="000000"/>
-              </a:solidFill>
-              <a:latin typeface="Arial"/>
-            </a:endParaRPr>
-          </a:p>
-          <a:p>
-            <a:pPr>
-              <a:lnSpc>
-                <a:spcPct val="100000"/>
-              </a:lnSpc>
-              <a:spcBef>
-                <a:spcPts val="400"/>
-              </a:spcBef>
-              <a:tabLst>
-                <a:tab pos="0" algn="l"/>
-              </a:tabLst>
-            </a:pPr>
             <a:r>
-              <a:rPr lang="en-GB" sz="2000" b="0" strike="noStrike" spc="-1">
+              <a:rPr lang="en-GB" sz="2000" b="0" strike="noStrike" spc="-1" dirty="0">
                 <a:solidFill>
                   <a:srgbClr val="000000"/>
                 </a:solidFill>
                 <a:latin typeface="Arial"/>
               </a:rPr>
-              <a:t>6. Realtime profilers</a:t>
+              <a:t>. Realtime profilers</a:t>
             </a:r>
-            <a:endParaRPr lang="en-US" sz="2000" b="0" strike="noStrike" spc="-1">
+            <a:endParaRPr lang="en-US" sz="2000" b="0" strike="noStrike" spc="-1" dirty="0">
               <a:solidFill>
                 <a:srgbClr val="000000"/>
               </a:solidFill>
@@ -22665,7 +22629,7 @@
               </a:tabLst>
             </a:pPr>
             <a:r>
-              <a:rPr lang="en-GB" sz="1800" b="0" strike="noStrike" spc="-1">
+              <a:rPr lang="en-GB" sz="1800" b="0" strike="noStrike" spc="-1" dirty="0">
                 <a:solidFill>
                   <a:srgbClr val="000000"/>
                 </a:solidFill>
@@ -22673,7 +22637,7 @@
               </a:rPr>
               <a:t>measure app performance</a:t>
             </a:r>
-            <a:endParaRPr lang="en-US" sz="1800" b="0" strike="noStrike" spc="-1">
+            <a:endParaRPr lang="en-US" sz="1800" b="0" strike="noStrike" spc="-1" dirty="0">
               <a:solidFill>
                 <a:srgbClr val="000000"/>
               </a:solidFill>
